--- a/slides/Tag-2_5-GitLab-Runner.pptx
+++ b/slides/Tag-2_5-GitLab-Runner.pptx
@@ -13,8 +13,8 @@
   </p:handoutMasterIdLst>
   <p:sldIdLst>
     <p:sldId id="726" r:id="rId3"/>
-    <p:sldId id="289" r:id="rId4"/>
-    <p:sldId id="732" r:id="rId5"/>
+    <p:sldId id="738" r:id="rId4"/>
+    <p:sldId id="739" r:id="rId5"/>
     <p:sldId id="596" r:id="rId6"/>
     <p:sldId id="600" r:id="rId7"/>
     <p:sldId id="588" r:id="rId8"/>
@@ -10597,7 +10597,7 @@
               <a:pPr algn="ctr">
                 <a:defRPr/>
               </a:pPr>
-              <a:t>18.06.2024</a:t>
+              <a:t>19.06.2024</a:t>
             </a:fld>
             <a:endParaRPr lang="de-DE" sz="1000">
               <a:solidFill>
@@ -17595,7 +17595,7 @@
             </a:pPr>
             <a:r>
               <a:rPr lang="de-DE" altLang="de-DE" sz="1800" b="1" dirty="0"/>
-              <a:t>Tag 3 – </a:t>
+              <a:t>Tag 3 – Docker, </a:t>
             </a:r>
             <a:r>
               <a:rPr lang="de-DE" altLang="de-DE" sz="1800" b="1" dirty="0" err="1"/>
@@ -17603,7 +17603,7 @@
             </a:r>
             <a:r>
               <a:rPr lang="de-DE" altLang="de-DE" sz="1800" b="1" dirty="0"/>
-              <a:t>, Docker, </a:t>
+              <a:t>, </a:t>
             </a:r>
             <a:r>
               <a:rPr lang="de-DE" altLang="de-DE" sz="1800" b="1" dirty="0" err="1"/>
@@ -17620,50 +17620,50 @@
               <a:buChar char="•"/>
             </a:pPr>
             <a:r>
+              <a:rPr lang="de-DE" altLang="de-DE" sz="1400" dirty="0"/>
+              <a:t>Entwicklung mit Docker</a:t>
+            </a:r>
+          </a:p>
+          <a:p>
+            <a:pPr lvl="1">
+              <a:buFont typeface="Arial" panose="020B0604020202020204" pitchFamily="34" charset="0"/>
+              <a:buChar char="•"/>
+            </a:pPr>
+            <a:r>
+              <a:rPr lang="de-DE" altLang="de-DE" sz="1400" dirty="0"/>
+              <a:t>Container/Docker-Registry</a:t>
+            </a:r>
+          </a:p>
+          <a:p>
+            <a:pPr lvl="1">
+              <a:buFont typeface="Arial" panose="020B0604020202020204" pitchFamily="34" charset="0"/>
+              <a:buChar char="•"/>
+            </a:pPr>
+            <a:r>
+              <a:rPr lang="de-DE" altLang="de-DE" sz="1400" dirty="0"/>
+              <a:t>Erstellen von Release- und </a:t>
+            </a:r>
+            <a:r>
+              <a:rPr lang="de-DE" altLang="de-DE" sz="1400" dirty="0" err="1"/>
+              <a:t>Tagged</a:t>
+            </a:r>
+            <a:r>
+              <a:rPr lang="de-DE" altLang="de-DE" sz="1400" dirty="0"/>
+              <a:t>-Images</a:t>
+            </a:r>
+          </a:p>
+          <a:p>
+            <a:pPr lvl="1">
+              <a:buFont typeface="Arial" panose="020B0604020202020204" pitchFamily="34" charset="0"/>
+              <a:buChar char="•"/>
+            </a:pPr>
+            <a:r>
               <a:rPr lang="de-DE" altLang="de-DE" sz="1400" dirty="0" err="1"/>
               <a:t>GitOps</a:t>
             </a:r>
             <a:r>
               <a:rPr lang="de-DE" altLang="de-DE" sz="1400" dirty="0"/>
               <a:t> Grundlagen</a:t>
-            </a:r>
-          </a:p>
-          <a:p>
-            <a:pPr lvl="1">
-              <a:buFont typeface="Arial" panose="020B0604020202020204" pitchFamily="34" charset="0"/>
-              <a:buChar char="•"/>
-            </a:pPr>
-            <a:r>
-              <a:rPr lang="de-DE" altLang="de-DE" sz="1400" dirty="0"/>
-              <a:t>Entwicklung mit Docker</a:t>
-            </a:r>
-          </a:p>
-          <a:p>
-            <a:pPr lvl="1">
-              <a:buFont typeface="Arial" panose="020B0604020202020204" pitchFamily="34" charset="0"/>
-              <a:buChar char="•"/>
-            </a:pPr>
-            <a:r>
-              <a:rPr lang="de-DE" altLang="de-DE" sz="1400" dirty="0"/>
-              <a:t>Container/Docker-Registry</a:t>
-            </a:r>
-          </a:p>
-          <a:p>
-            <a:pPr lvl="1">
-              <a:buFont typeface="Arial" panose="020B0604020202020204" pitchFamily="34" charset="0"/>
-              <a:buChar char="•"/>
-            </a:pPr>
-            <a:r>
-              <a:rPr lang="de-DE" altLang="de-DE" sz="1400" dirty="0"/>
-              <a:t>Erstellen von Release- und </a:t>
-            </a:r>
-            <a:r>
-              <a:rPr lang="de-DE" altLang="de-DE" sz="1400" dirty="0" err="1"/>
-              <a:t>Tagged</a:t>
-            </a:r>
-            <a:r>
-              <a:rPr lang="de-DE" altLang="de-DE" sz="1400" dirty="0"/>
-              <a:t>-Images</a:t>
             </a:r>
           </a:p>
           <a:p>
@@ -17737,6 +17737,11 @@
         </p:txBody>
       </p:sp>
     </p:spTree>
+    <p:extLst>
+      <p:ext uri="{BB962C8B-B14F-4D97-AF65-F5344CB8AC3E}">
+        <p14:creationId xmlns:p14="http://schemas.microsoft.com/office/powerpoint/2010/main" val="3781715788"/>
+      </p:ext>
+    </p:extLst>
   </p:cSld>
   <p:clrMapOvr>
     <a:masterClrMapping/>
@@ -20731,7 +20736,7 @@
             </a:pPr>
             <a:r>
               <a:rPr lang="de-DE" altLang="de-DE" sz="1800" b="1" dirty="0"/>
-              <a:t>Tag 3 – </a:t>
+              <a:t>Tag 3 – Docker, </a:t>
             </a:r>
             <a:r>
               <a:rPr lang="de-DE" altLang="de-DE" sz="1800" b="1" dirty="0" err="1"/>
@@ -20739,7 +20744,7 @@
             </a:r>
             <a:r>
               <a:rPr lang="de-DE" altLang="de-DE" sz="1800" b="1" dirty="0"/>
-              <a:t>, Docker, </a:t>
+              <a:t>, </a:t>
             </a:r>
             <a:r>
               <a:rPr lang="de-DE" altLang="de-DE" sz="1800" b="1" dirty="0" err="1"/>
@@ -20756,50 +20761,50 @@
               <a:buChar char="•"/>
             </a:pPr>
             <a:r>
+              <a:rPr lang="de-DE" altLang="de-DE" sz="1400" dirty="0"/>
+              <a:t>Entwicklung mit Docker</a:t>
+            </a:r>
+          </a:p>
+          <a:p>
+            <a:pPr lvl="1">
+              <a:buFont typeface="Arial" panose="020B0604020202020204" pitchFamily="34" charset="0"/>
+              <a:buChar char="•"/>
+            </a:pPr>
+            <a:r>
+              <a:rPr lang="de-DE" altLang="de-DE" sz="1400" dirty="0"/>
+              <a:t>Container/Docker-Registry</a:t>
+            </a:r>
+          </a:p>
+          <a:p>
+            <a:pPr lvl="1">
+              <a:buFont typeface="Arial" panose="020B0604020202020204" pitchFamily="34" charset="0"/>
+              <a:buChar char="•"/>
+            </a:pPr>
+            <a:r>
+              <a:rPr lang="de-DE" altLang="de-DE" sz="1400" dirty="0"/>
+              <a:t>Erstellen von Release- und </a:t>
+            </a:r>
+            <a:r>
+              <a:rPr lang="de-DE" altLang="de-DE" sz="1400" dirty="0" err="1"/>
+              <a:t>Tagged</a:t>
+            </a:r>
+            <a:r>
+              <a:rPr lang="de-DE" altLang="de-DE" sz="1400" dirty="0"/>
+              <a:t>-Images</a:t>
+            </a:r>
+          </a:p>
+          <a:p>
+            <a:pPr lvl="1">
+              <a:buFont typeface="Arial" panose="020B0604020202020204" pitchFamily="34" charset="0"/>
+              <a:buChar char="•"/>
+            </a:pPr>
+            <a:r>
               <a:rPr lang="de-DE" altLang="de-DE" sz="1400" dirty="0" err="1"/>
               <a:t>GitOps</a:t>
             </a:r>
             <a:r>
               <a:rPr lang="de-DE" altLang="de-DE" sz="1400" dirty="0"/>
               <a:t> Grundlagen</a:t>
-            </a:r>
-          </a:p>
-          <a:p>
-            <a:pPr lvl="1">
-              <a:buFont typeface="Arial" panose="020B0604020202020204" pitchFamily="34" charset="0"/>
-              <a:buChar char="•"/>
-            </a:pPr>
-            <a:r>
-              <a:rPr lang="de-DE" altLang="de-DE" sz="1400" dirty="0"/>
-              <a:t>Entwicklung mit Docker</a:t>
-            </a:r>
-          </a:p>
-          <a:p>
-            <a:pPr lvl="1">
-              <a:buFont typeface="Arial" panose="020B0604020202020204" pitchFamily="34" charset="0"/>
-              <a:buChar char="•"/>
-            </a:pPr>
-            <a:r>
-              <a:rPr lang="de-DE" altLang="de-DE" sz="1400" dirty="0"/>
-              <a:t>Container/Docker-Registry</a:t>
-            </a:r>
-          </a:p>
-          <a:p>
-            <a:pPr lvl="1">
-              <a:buFont typeface="Arial" panose="020B0604020202020204" pitchFamily="34" charset="0"/>
-              <a:buChar char="•"/>
-            </a:pPr>
-            <a:r>
-              <a:rPr lang="de-DE" altLang="de-DE" sz="1400" dirty="0"/>
-              <a:t>Erstellen von Release- und </a:t>
-            </a:r>
-            <a:r>
-              <a:rPr lang="de-DE" altLang="de-DE" sz="1400" dirty="0" err="1"/>
-              <a:t>Tagged</a:t>
-            </a:r>
-            <a:r>
-              <a:rPr lang="de-DE" altLang="de-DE" sz="1400" dirty="0"/>
-              <a:t>-Images</a:t>
             </a:r>
           </a:p>
           <a:p>
@@ -20873,6 +20878,11 @@
         </p:txBody>
       </p:sp>
     </p:spTree>
+    <p:extLst>
+      <p:ext uri="{BB962C8B-B14F-4D97-AF65-F5344CB8AC3E}">
+        <p14:creationId xmlns:p14="http://schemas.microsoft.com/office/powerpoint/2010/main" val="3723206936"/>
+      </p:ext>
+    </p:extLst>
   </p:cSld>
   <p:clrMapOvr>
     <a:masterClrMapping/>

--- a/slides/Tag-2_5-GitLab-Runner.pptx
+++ b/slides/Tag-2_5-GitLab-Runner.pptx
@@ -10597,7 +10597,7 @@
               <a:pPr algn="ctr">
                 <a:defRPr/>
               </a:pPr>
-              <a:t>19.06.2024</a:t>
+              <a:t>06.07.2024</a:t>
             </a:fld>
             <a:endParaRPr lang="de-DE" sz="1000">
               <a:solidFill>
@@ -12699,8 +12699,12 @@
               <a:buNone/>
             </a:pPr>
             <a:r>
+              <a:rPr lang="de-DE" altLang="de-DE" sz="1600"/>
+              <a:t>09.07.2024</a:t>
+            </a:r>
+            <a:r>
               <a:rPr lang="de-DE" altLang="de-DE" sz="1600" dirty="0"/>
-              <a:t>18.06.2024, Daniel Krämer</a:t>
+              <a:t>, Daniel Krämer</a:t>
             </a:r>
           </a:p>
         </p:txBody>

--- a/slides/Tag-2_5-GitLab-Runner.pptx
+++ b/slides/Tag-2_5-GitLab-Runner.pptx
@@ -10597,7 +10597,7 @@
               <a:pPr algn="ctr">
                 <a:defRPr/>
               </a:pPr>
-              <a:t>06.07.2024</a:t>
+              <a:t>10.07.2024</a:t>
             </a:fld>
             <a:endParaRPr lang="de-DE" sz="1000">
               <a:solidFill>
@@ -20208,6 +20208,12 @@
               <a:rPr lang="de-DE" b="1" dirty="0"/>
               <a:t>Windows</a:t>
             </a:r>
+          </a:p>
+          <a:p>
+            <a:pPr marL="0" indent="0">
+              <a:buNone/>
+            </a:pPr>
+            <a:endParaRPr lang="de-DE" b="1" dirty="0"/>
           </a:p>
           <a:p>
             <a:pPr marL="457200" indent="-457200">

--- a/slides/Tag-2_5-GitLab-Runner.pptx
+++ b/slides/Tag-2_5-GitLab-Runner.pptx
@@ -10595,7 +10595,7 @@
               <a:pPr algn="ctr">
                 <a:defRPr/>
               </a:pPr>
-              <a:t>06.09.24</a:t>
+              <a:t>19.09.2024</a:t>
             </a:fld>
             <a:endParaRPr lang="de-DE" sz="1000">
               <a:solidFill>
@@ -13640,7 +13640,7 @@
             </a:pPr>
             <a:r>
               <a:rPr lang="de-DE" dirty="0"/>
-              <a:t>Beispiel-Queue</a:t>
+              <a:t>Beispiel-Jobs</a:t>
             </a:r>
           </a:p>
           <a:p>
@@ -13884,7 +13884,7 @@
               <a:rPr lang="de-DE" dirty="0">
                 <a:latin typeface="+mj-lt"/>
               </a:rPr>
-              <a:t>Beispiel-Queue</a:t>
+              <a:t> Beispiel-Queue</a:t>
             </a:r>
           </a:p>
           <a:p>
@@ -13896,7 +13896,7 @@
               <a:rPr lang="de-DE" dirty="0">
                 <a:latin typeface="+mj-lt"/>
               </a:rPr>
-              <a:t>Job 1 für Project 1</a:t>
+              <a:t> Job 1 für Project 1</a:t>
             </a:r>
           </a:p>
           <a:p>
@@ -13908,7 +13908,7 @@
               <a:rPr lang="de-DE" dirty="0">
                 <a:latin typeface="+mj-lt"/>
               </a:rPr>
-              <a:t>Job 2 für Project 1</a:t>
+              <a:t> Job 4 für Project 2</a:t>
             </a:r>
           </a:p>
           <a:p>
@@ -13920,7 +13920,7 @@
               <a:rPr lang="de-DE" dirty="0">
                 <a:latin typeface="+mj-lt"/>
               </a:rPr>
-              <a:t>Job 3 für Project 1</a:t>
+              <a:t> Job 6 für Project 3</a:t>
             </a:r>
           </a:p>
           <a:p>
@@ -13932,7 +13932,7 @@
               <a:rPr lang="de-DE" dirty="0">
                 <a:latin typeface="+mj-lt"/>
               </a:rPr>
-              <a:t>Job 4 für Project 2</a:t>
+              <a:t> Job 2 für Project 1</a:t>
             </a:r>
           </a:p>
           <a:p>
@@ -13944,7 +13944,7 @@
               <a:rPr lang="de-DE" dirty="0">
                 <a:latin typeface="+mj-lt"/>
               </a:rPr>
-              <a:t>Job 5 für Project 2</a:t>
+              <a:t> Job 5 für Project 2</a:t>
             </a:r>
           </a:p>
           <a:p>
@@ -13956,7 +13956,7 @@
               <a:rPr lang="de-DE" dirty="0">
                 <a:latin typeface="+mj-lt"/>
               </a:rPr>
-              <a:t>Job 6 für Project 3</a:t>
+              <a:t> Job 3 für Project 1</a:t>
             </a:r>
           </a:p>
         </p:txBody>
@@ -14201,7 +14201,7 @@
                                         <p:tgtEl>
                                           <p:spTgt spid="4">
                                             <p:txEl>
-                                              <p:pRg st="4" end="4"/>
+                                              <p:pRg st="2" end="2"/>
                                             </p:txEl>
                                           </p:spTgt>
                                         </p:tgtEl>
@@ -14219,7 +14219,7 @@
                                         <p:tgtEl>
                                           <p:spTgt spid="4">
                                             <p:txEl>
-                                              <p:pRg st="4" end="4"/>
+                                              <p:pRg st="2" end="2"/>
                                             </p:txEl>
                                           </p:spTgt>
                                         </p:tgtEl>
@@ -14237,7 +14237,7 @@
                                         <p:tgtEl>
                                           <p:spTgt spid="4">
                                             <p:txEl>
-                                              <p:pRg st="4" end="4"/>
+                                              <p:pRg st="2" end="2"/>
                                             </p:txEl>
                                           </p:spTgt>
                                         </p:tgtEl>
@@ -14255,7 +14255,7 @@
                                         <p:tgtEl>
                                           <p:spTgt spid="4">
                                             <p:txEl>
-                                              <p:pRg st="4" end="4"/>
+                                              <p:pRg st="2" end="2"/>
                                             </p:txEl>
                                           </p:spTgt>
                                         </p:tgtEl>
@@ -14300,7 +14300,7 @@
                                         <p:tgtEl>
                                           <p:spTgt spid="4">
                                             <p:txEl>
-                                              <p:pRg st="6" end="6"/>
+                                              <p:pRg st="3" end="3"/>
                                             </p:txEl>
                                           </p:spTgt>
                                         </p:tgtEl>
@@ -14318,7 +14318,7 @@
                                         <p:tgtEl>
                                           <p:spTgt spid="4">
                                             <p:txEl>
-                                              <p:pRg st="6" end="6"/>
+                                              <p:pRg st="3" end="3"/>
                                             </p:txEl>
                                           </p:spTgt>
                                         </p:tgtEl>
@@ -14336,7 +14336,7 @@
                                         <p:tgtEl>
                                           <p:spTgt spid="4">
                                             <p:txEl>
-                                              <p:pRg st="6" end="6"/>
+                                              <p:pRg st="3" end="3"/>
                                             </p:txEl>
                                           </p:spTgt>
                                         </p:tgtEl>
@@ -14354,7 +14354,7 @@
                                         <p:tgtEl>
                                           <p:spTgt spid="4">
                                             <p:txEl>
-                                              <p:pRg st="6" end="6"/>
+                                              <p:pRg st="3" end="3"/>
                                             </p:txEl>
                                           </p:spTgt>
                                         </p:tgtEl>
@@ -14399,7 +14399,7 @@
                                         <p:tgtEl>
                                           <p:spTgt spid="4">
                                             <p:txEl>
-                                              <p:pRg st="2" end="2"/>
+                                              <p:pRg st="4" end="4"/>
                                             </p:txEl>
                                           </p:spTgt>
                                         </p:tgtEl>
@@ -14417,7 +14417,7 @@
                                         <p:tgtEl>
                                           <p:spTgt spid="4">
                                             <p:txEl>
-                                              <p:pRg st="2" end="2"/>
+                                              <p:pRg st="4" end="4"/>
                                             </p:txEl>
                                           </p:spTgt>
                                         </p:tgtEl>
@@ -14435,7 +14435,7 @@
                                         <p:tgtEl>
                                           <p:spTgt spid="4">
                                             <p:txEl>
-                                              <p:pRg st="2" end="2"/>
+                                              <p:pRg st="4" end="4"/>
                                             </p:txEl>
                                           </p:spTgt>
                                         </p:tgtEl>
@@ -14453,7 +14453,7 @@
                                         <p:tgtEl>
                                           <p:spTgt spid="4">
                                             <p:txEl>
-                                              <p:pRg st="2" end="2"/>
+                                              <p:pRg st="4" end="4"/>
                                             </p:txEl>
                                           </p:spTgt>
                                         </p:tgtEl>
@@ -14597,7 +14597,7 @@
                                         <p:tgtEl>
                                           <p:spTgt spid="4">
                                             <p:txEl>
-                                              <p:pRg st="3" end="3"/>
+                                              <p:pRg st="6" end="6"/>
                                             </p:txEl>
                                           </p:spTgt>
                                         </p:tgtEl>
@@ -14615,7 +14615,7 @@
                                         <p:tgtEl>
                                           <p:spTgt spid="4">
                                             <p:txEl>
-                                              <p:pRg st="3" end="3"/>
+                                              <p:pRg st="6" end="6"/>
                                             </p:txEl>
                                           </p:spTgt>
                                         </p:tgtEl>
@@ -14633,7 +14633,7 @@
                                         <p:tgtEl>
                                           <p:spTgt spid="4">
                                             <p:txEl>
-                                              <p:pRg st="3" end="3"/>
+                                              <p:pRg st="6" end="6"/>
                                             </p:txEl>
                                           </p:spTgt>
                                         </p:tgtEl>
@@ -14651,7 +14651,7 @@
                                         <p:tgtEl>
                                           <p:spTgt spid="4">
                                             <p:txEl>
-                                              <p:pRg st="3" end="3"/>
+                                              <p:pRg st="6" end="6"/>
                                             </p:txEl>
                                           </p:spTgt>
                                         </p:tgtEl>
@@ -14701,7 +14701,7 @@
 </file>
 
 <file path=ppt/slides/slide13.xml><?xml version="1.0" encoding="utf-8"?>
-<p:sld xmlns:a="http://schemas.openxmlformats.org/drawingml/2006/main" xmlns:r="http://schemas.openxmlformats.org/officeDocument/2006/relationships" xmlns:p="http://schemas.openxmlformats.org/presentationml/2006/main">
+<p:sld xmlns:a="http://schemas.openxmlformats.org/drawingml/2006/main" xmlns:r="http://schemas.openxmlformats.org/officeDocument/2006/relationships" xmlns:p="http://schemas.openxmlformats.org/presentationml/2006/main" show="0">
   <p:cSld>
     <p:spTree>
       <p:nvGrpSpPr>
@@ -14788,6 +14788,18 @@
             </a:r>
           </a:p>
           <a:p>
+            <a:pPr marL="0" indent="0">
+              <a:buNone/>
+            </a:pPr>
+            <a:endParaRPr lang="de-DE" dirty="0"/>
+          </a:p>
+          <a:p>
+            <a:pPr marL="0" indent="0">
+              <a:buNone/>
+            </a:pPr>
+            <a:endParaRPr lang="de-DE" dirty="0"/>
+          </a:p>
+          <a:p>
             <a:pPr marL="457200" indent="-457200">
               <a:buFont typeface="+mj-lt"/>
               <a:buAutoNum type="arabicPeriod"/>
@@ -14831,8 +14843,8 @@
         </p:nvSpPr>
         <p:spPr bwMode="auto">
           <a:xfrm>
-            <a:off x="323850" y="2342584"/>
-            <a:ext cx="3251211" cy="2677656"/>
+            <a:off x="467544" y="2533546"/>
+            <a:ext cx="4416290" cy="3416320"/>
           </a:xfrm>
           <a:prstGeom prst="rect">
             <a:avLst/>
@@ -14846,7 +14858,7 @@
           </a:ln>
         </p:spPr>
         <p:txBody>
-          <a:bodyPr wrap="none" rtlCol="0" anchor="ctr">
+          <a:bodyPr wrap="square" rtlCol="0" anchor="ctr">
             <a:spAutoFit/>
           </a:bodyPr>
           <a:lstStyle/>
@@ -14859,7 +14871,7 @@
               <a:rPr lang="de-DE" dirty="0">
                 <a:latin typeface="+mj-lt"/>
               </a:rPr>
-              <a:t>Beispiel-Queue</a:t>
+              <a:t> Beispiel-Queue</a:t>
             </a:r>
           </a:p>
           <a:p>
@@ -14871,7 +14883,7 @@
               <a:rPr lang="de-DE" dirty="0">
                 <a:latin typeface="+mj-lt"/>
               </a:rPr>
-              <a:t>Job 1 für Project 1</a:t>
+              <a:t> Job 1 für Projekt 1 startet</a:t>
             </a:r>
           </a:p>
           <a:p>
@@ -14883,7 +14895,7 @@
               <a:rPr lang="de-DE" dirty="0">
                 <a:latin typeface="+mj-lt"/>
               </a:rPr>
-              <a:t>Job 2 für Project 1</a:t>
+              <a:t> Job 1 fertig</a:t>
             </a:r>
           </a:p>
           <a:p>
@@ -14895,7 +14907,7 @@
               <a:rPr lang="de-DE" dirty="0">
                 <a:latin typeface="+mj-lt"/>
               </a:rPr>
-              <a:t>Job 3 für Project 1</a:t>
+              <a:t> Job 2 für Projekt 1 startet </a:t>
             </a:r>
           </a:p>
           <a:p>
@@ -14907,7 +14919,7 @@
               <a:rPr lang="de-DE" dirty="0">
                 <a:latin typeface="+mj-lt"/>
               </a:rPr>
-              <a:t>Job 4 für Project 2</a:t>
+              <a:t> Job 4 für Projekt 2 startet</a:t>
             </a:r>
           </a:p>
           <a:p>
@@ -14919,7 +14931,7 @@
               <a:rPr lang="de-DE" dirty="0">
                 <a:latin typeface="+mj-lt"/>
               </a:rPr>
-              <a:t>Job 5 für Project 2</a:t>
+              <a:t> Job 4 fertig</a:t>
             </a:r>
           </a:p>
           <a:p>
@@ -14931,7 +14943,31 @@
               <a:rPr lang="de-DE" dirty="0">
                 <a:latin typeface="+mj-lt"/>
               </a:rPr>
-              <a:t>Job 6 für Project 3</a:t>
+              <a:t> Job 5 für Projekt 2 startet</a:t>
+            </a:r>
+          </a:p>
+          <a:p>
+            <a:pPr lvl="1">
+              <a:buFont typeface="Arial" panose="020B0604020202020204" pitchFamily="34" charset="0"/>
+              <a:buChar char="•"/>
+            </a:pPr>
+            <a:r>
+              <a:rPr lang="de-DE" dirty="0">
+                <a:latin typeface="+mj-lt"/>
+              </a:rPr>
+              <a:t> Job 6 für Projekt 3 startet</a:t>
+            </a:r>
+          </a:p>
+          <a:p>
+            <a:pPr lvl="1">
+              <a:buFont typeface="Arial" panose="020B0604020202020204" pitchFamily="34" charset="0"/>
+              <a:buChar char="•"/>
+            </a:pPr>
+            <a:r>
+              <a:rPr lang="de-DE" dirty="0">
+                <a:latin typeface="+mj-lt"/>
+              </a:rPr>
+              <a:t> Job 3 für Projekt 1 startet</a:t>
             </a:r>
           </a:p>
         </p:txBody>
@@ -15275,7 +15311,7 @@
                                         <p:tgtEl>
                                           <p:spTgt spid="4">
                                             <p:txEl>
-                                              <p:pRg st="4" end="4"/>
+                                              <p:pRg st="3" end="3"/>
                                             </p:txEl>
                                           </p:spTgt>
                                         </p:tgtEl>
@@ -15293,7 +15329,7 @@
                                         <p:tgtEl>
                                           <p:spTgt spid="4">
                                             <p:txEl>
-                                              <p:pRg st="4" end="4"/>
+                                              <p:pRg st="3" end="3"/>
                                             </p:txEl>
                                           </p:spTgt>
                                         </p:tgtEl>
@@ -15311,7 +15347,7 @@
                                         <p:tgtEl>
                                           <p:spTgt spid="4">
                                             <p:txEl>
-                                              <p:pRg st="4" end="4"/>
+                                              <p:pRg st="3" end="3"/>
                                             </p:txEl>
                                           </p:spTgt>
                                         </p:tgtEl>
@@ -15329,7 +15365,7 @@
                                         <p:tgtEl>
                                           <p:spTgt spid="4">
                                             <p:txEl>
-                                              <p:pRg st="4" end="4"/>
+                                              <p:pRg st="3" end="3"/>
                                             </p:txEl>
                                           </p:spTgt>
                                         </p:tgtEl>
@@ -15374,7 +15410,7 @@
                                         <p:tgtEl>
                                           <p:spTgt spid="4">
                                             <p:txEl>
-                                              <p:pRg st="5" end="5"/>
+                                              <p:pRg st="6" end="6"/>
                                             </p:txEl>
                                           </p:spTgt>
                                         </p:tgtEl>
@@ -15392,7 +15428,7 @@
                                         <p:tgtEl>
                                           <p:spTgt spid="4">
                                             <p:txEl>
-                                              <p:pRg st="5" end="5"/>
+                                              <p:pRg st="6" end="6"/>
                                             </p:txEl>
                                           </p:spTgt>
                                         </p:tgtEl>
@@ -15410,7 +15446,7 @@
                                         <p:tgtEl>
                                           <p:spTgt spid="4">
                                             <p:txEl>
-                                              <p:pRg st="5" end="5"/>
+                                              <p:pRg st="6" end="6"/>
                                             </p:txEl>
                                           </p:spTgt>
                                         </p:tgtEl>
@@ -15428,7 +15464,7 @@
                                         <p:tgtEl>
                                           <p:spTgt spid="4">
                                             <p:txEl>
-                                              <p:pRg st="5" end="5"/>
+                                              <p:pRg st="6" end="6"/>
                                             </p:txEl>
                                           </p:spTgt>
                                         </p:tgtEl>
@@ -15473,7 +15509,7 @@
                                         <p:tgtEl>
                                           <p:spTgt spid="4">
                                             <p:txEl>
-                                              <p:pRg st="6" end="6"/>
+                                              <p:pRg st="5" end="5"/>
                                             </p:txEl>
                                           </p:spTgt>
                                         </p:tgtEl>
@@ -15491,7 +15527,7 @@
                                         <p:tgtEl>
                                           <p:spTgt spid="4">
                                             <p:txEl>
-                                              <p:pRg st="6" end="6"/>
+                                              <p:pRg st="5" end="5"/>
                                             </p:txEl>
                                           </p:spTgt>
                                         </p:tgtEl>
@@ -15509,7 +15545,7 @@
                                         <p:tgtEl>
                                           <p:spTgt spid="4">
                                             <p:txEl>
-                                              <p:pRg st="6" end="6"/>
+                                              <p:pRg st="5" end="5"/>
                                             </p:txEl>
                                           </p:spTgt>
                                         </p:tgtEl>
@@ -15527,7 +15563,7 @@
                                         <p:tgtEl>
                                           <p:spTgt spid="4">
                                             <p:txEl>
-                                              <p:pRg st="6" end="6"/>
+                                              <p:pRg st="5" end="5"/>
                                             </p:txEl>
                                           </p:spTgt>
                                         </p:tgtEl>
@@ -15572,7 +15608,7 @@
                                         <p:tgtEl>
                                           <p:spTgt spid="4">
                                             <p:txEl>
-                                              <p:pRg st="3" end="3"/>
+                                              <p:pRg st="7" end="7"/>
                                             </p:txEl>
                                           </p:spTgt>
                                         </p:tgtEl>
@@ -15590,7 +15626,7 @@
                                         <p:tgtEl>
                                           <p:spTgt spid="4">
                                             <p:txEl>
-                                              <p:pRg st="3" end="3"/>
+                                              <p:pRg st="7" end="7"/>
                                             </p:txEl>
                                           </p:spTgt>
                                         </p:tgtEl>
@@ -15608,7 +15644,7 @@
                                         <p:tgtEl>
                                           <p:spTgt spid="4">
                                             <p:txEl>
-                                              <p:pRg st="3" end="3"/>
+                                              <p:pRg st="7" end="7"/>
                                             </p:txEl>
                                           </p:spTgt>
                                         </p:tgtEl>
@@ -15626,7 +15662,205 @@
                                         <p:tgtEl>
                                           <p:spTgt spid="4">
                                             <p:txEl>
-                                              <p:pRg st="3" end="3"/>
+                                              <p:pRg st="7" end="7"/>
+                                            </p:txEl>
+                                          </p:spTgt>
+                                        </p:tgtEl>
+                                        <p:attrNameLst>
+                                          <p:attrName>fill.on</p:attrName>
+                                        </p:attrNameLst>
+                                      </p:cBhvr>
+                                      <p:to>
+                                        <p:strVal val="true"/>
+                                      </p:to>
+                                    </p:set>
+                                  </p:childTnLst>
+                                </p:cTn>
+                              </p:par>
+                            </p:childTnLst>
+                          </p:cTn>
+                        </p:par>
+                      </p:childTnLst>
+                    </p:cTn>
+                  </p:par>
+                  <p:par>
+                    <p:cTn id="52" fill="hold">
+                      <p:stCondLst>
+                        <p:cond delay="indefinite"/>
+                      </p:stCondLst>
+                      <p:childTnLst>
+                        <p:par>
+                          <p:cTn id="53" fill="hold">
+                            <p:stCondLst>
+                              <p:cond delay="0"/>
+                            </p:stCondLst>
+                            <p:childTnLst>
+                              <p:par>
+                                <p:cTn id="54" presetID="19" presetClass="emph" presetSubtype="0" fill="hold" nodeType="clickEffect">
+                                  <p:stCondLst>
+                                    <p:cond delay="0"/>
+                                  </p:stCondLst>
+                                  <p:childTnLst>
+                                    <p:animClr clrSpc="rgb" dir="cw">
+                                      <p:cBhvr override="childStyle">
+                                        <p:cTn id="55" dur="500" fill="hold"/>
+                                        <p:tgtEl>
+                                          <p:spTgt spid="4">
+                                            <p:txEl>
+                                              <p:pRg st="8" end="8"/>
+                                            </p:txEl>
+                                          </p:spTgt>
+                                        </p:tgtEl>
+                                        <p:attrNameLst>
+                                          <p:attrName>style.color</p:attrName>
+                                        </p:attrNameLst>
+                                      </p:cBhvr>
+                                      <p:to>
+                                        <a:schemeClr val="accent2"/>
+                                      </p:to>
+                                    </p:animClr>
+                                    <p:animClr clrSpc="rgb" dir="cw">
+                                      <p:cBhvr>
+                                        <p:cTn id="56" dur="500" fill="hold"/>
+                                        <p:tgtEl>
+                                          <p:spTgt spid="4">
+                                            <p:txEl>
+                                              <p:pRg st="8" end="8"/>
+                                            </p:txEl>
+                                          </p:spTgt>
+                                        </p:tgtEl>
+                                        <p:attrNameLst>
+                                          <p:attrName>fillcolor</p:attrName>
+                                        </p:attrNameLst>
+                                      </p:cBhvr>
+                                      <p:to>
+                                        <a:schemeClr val="accent2"/>
+                                      </p:to>
+                                    </p:animClr>
+                                    <p:set>
+                                      <p:cBhvr>
+                                        <p:cTn id="57" dur="500" fill="hold"/>
+                                        <p:tgtEl>
+                                          <p:spTgt spid="4">
+                                            <p:txEl>
+                                              <p:pRg st="8" end="8"/>
+                                            </p:txEl>
+                                          </p:spTgt>
+                                        </p:tgtEl>
+                                        <p:attrNameLst>
+                                          <p:attrName>fill.type</p:attrName>
+                                        </p:attrNameLst>
+                                      </p:cBhvr>
+                                      <p:to>
+                                        <p:strVal val="solid"/>
+                                      </p:to>
+                                    </p:set>
+                                    <p:set>
+                                      <p:cBhvr>
+                                        <p:cTn id="58" dur="500" fill="hold"/>
+                                        <p:tgtEl>
+                                          <p:spTgt spid="4">
+                                            <p:txEl>
+                                              <p:pRg st="8" end="8"/>
+                                            </p:txEl>
+                                          </p:spTgt>
+                                        </p:tgtEl>
+                                        <p:attrNameLst>
+                                          <p:attrName>fill.on</p:attrName>
+                                        </p:attrNameLst>
+                                      </p:cBhvr>
+                                      <p:to>
+                                        <p:strVal val="true"/>
+                                      </p:to>
+                                    </p:set>
+                                  </p:childTnLst>
+                                </p:cTn>
+                              </p:par>
+                            </p:childTnLst>
+                          </p:cTn>
+                        </p:par>
+                      </p:childTnLst>
+                    </p:cTn>
+                  </p:par>
+                  <p:par>
+                    <p:cTn id="59" fill="hold">
+                      <p:stCondLst>
+                        <p:cond delay="indefinite"/>
+                      </p:stCondLst>
+                      <p:childTnLst>
+                        <p:par>
+                          <p:cTn id="60" fill="hold">
+                            <p:stCondLst>
+                              <p:cond delay="0"/>
+                            </p:stCondLst>
+                            <p:childTnLst>
+                              <p:par>
+                                <p:cTn id="61" presetID="19" presetClass="emph" presetSubtype="0" fill="hold" nodeType="clickEffect">
+                                  <p:stCondLst>
+                                    <p:cond delay="0"/>
+                                  </p:stCondLst>
+                                  <p:childTnLst>
+                                    <p:animClr clrSpc="rgb" dir="cw">
+                                      <p:cBhvr override="childStyle">
+                                        <p:cTn id="62" dur="500" fill="hold"/>
+                                        <p:tgtEl>
+                                          <p:spTgt spid="4">
+                                            <p:txEl>
+                                              <p:pRg st="4" end="4"/>
+                                            </p:txEl>
+                                          </p:spTgt>
+                                        </p:tgtEl>
+                                        <p:attrNameLst>
+                                          <p:attrName>style.color</p:attrName>
+                                        </p:attrNameLst>
+                                      </p:cBhvr>
+                                      <p:to>
+                                        <a:schemeClr val="accent2"/>
+                                      </p:to>
+                                    </p:animClr>
+                                    <p:animClr clrSpc="rgb" dir="cw">
+                                      <p:cBhvr>
+                                        <p:cTn id="63" dur="500" fill="hold"/>
+                                        <p:tgtEl>
+                                          <p:spTgt spid="4">
+                                            <p:txEl>
+                                              <p:pRg st="4" end="4"/>
+                                            </p:txEl>
+                                          </p:spTgt>
+                                        </p:tgtEl>
+                                        <p:attrNameLst>
+                                          <p:attrName>fillcolor</p:attrName>
+                                        </p:attrNameLst>
+                                      </p:cBhvr>
+                                      <p:to>
+                                        <a:schemeClr val="accent2"/>
+                                      </p:to>
+                                    </p:animClr>
+                                    <p:set>
+                                      <p:cBhvr>
+                                        <p:cTn id="64" dur="500" fill="hold"/>
+                                        <p:tgtEl>
+                                          <p:spTgt spid="4">
+                                            <p:txEl>
+                                              <p:pRg st="4" end="4"/>
+                                            </p:txEl>
+                                          </p:spTgt>
+                                        </p:tgtEl>
+                                        <p:attrNameLst>
+                                          <p:attrName>fill.type</p:attrName>
+                                        </p:attrNameLst>
+                                      </p:cBhvr>
+                                      <p:to>
+                                        <p:strVal val="solid"/>
+                                      </p:to>
+                                    </p:set>
+                                    <p:set>
+                                      <p:cBhvr>
+                                        <p:cTn id="65" dur="500" fill="hold"/>
+                                        <p:tgtEl>
+                                          <p:spTgt spid="4">
+                                            <p:txEl>
+                                              <p:pRg st="4" end="4"/>
                                             </p:txEl>
                                           </p:spTgt>
                                         </p:tgtEl>
